--- a/src/papers/k-intro/Figures.pptx
+++ b/src/papers/k-intro/Figures.pptx
@@ -6,6 +6,7 @@
   </p:sldMasterIdLst>
   <p:sldIdLst>
     <p:sldId id="256" r:id="rId2"/>
+    <p:sldId id="257" r:id="rId3"/>
   </p:sldIdLst>
   <p:sldSz cx="12192000" cy="6858000"/>
   <p:notesSz cx="6858000" cy="9144000"/>
@@ -1054,6 +1055,13 @@
         </dgm:presLayoutVars>
       </dgm:prSet>
       <dgm:spPr/>
+      <dgm:t>
+        <a:bodyPr/>
+        <a:lstStyle/>
+        <a:p>
+          <a:endParaRPr lang="en-US"/>
+        </a:p>
+      </dgm:t>
     </dgm:pt>
     <dgm:pt modelId="{948BE506-C979-4AC5-A68B-B4718DAC778B}" type="pres">
       <dgm:prSet presAssocID="{D5A237C4-E3DF-4488-A184-82DC233B9012}" presName="hierRoot1" presStyleCnt="0">
@@ -1074,6 +1082,13 @@
         </dgm:presLayoutVars>
       </dgm:prSet>
       <dgm:spPr/>
+      <dgm:t>
+        <a:bodyPr/>
+        <a:lstStyle/>
+        <a:p>
+          <a:endParaRPr lang="en-US"/>
+        </a:p>
+      </dgm:t>
     </dgm:pt>
     <dgm:pt modelId="{79371A64-9AD4-4B1E-9BD5-4AFCC4AAE92D}" type="pres">
       <dgm:prSet presAssocID="{D5A237C4-E3DF-4488-A184-82DC233B9012}" presName="topArc1" presStyleLbl="parChTrans1D1" presStyleIdx="0" presStyleCnt="4"/>
@@ -1086,6 +1101,13 @@
     <dgm:pt modelId="{766B93C8-8C57-4E10-82D5-85ADCAC5AE61}" type="pres">
       <dgm:prSet presAssocID="{D5A237C4-E3DF-4488-A184-82DC233B9012}" presName="topConnNode1" presStyleLbl="node1" presStyleIdx="0" presStyleCnt="0"/>
       <dgm:spPr/>
+      <dgm:t>
+        <a:bodyPr/>
+        <a:lstStyle/>
+        <a:p>
+          <a:endParaRPr lang="en-US"/>
+        </a:p>
+      </dgm:t>
     </dgm:pt>
     <dgm:pt modelId="{113E2C84-7828-4F15-8692-87F1224618A4}" type="pres">
       <dgm:prSet presAssocID="{D5A237C4-E3DF-4488-A184-82DC233B9012}" presName="hierChild2" presStyleCnt="0"/>
@@ -1094,6 +1116,13 @@
     <dgm:pt modelId="{C421FC54-E940-4908-9684-09C80B8B1EAE}" type="pres">
       <dgm:prSet presAssocID="{B1BD7386-59D8-4A48-B7D5-97A366F0448D}" presName="Name28" presStyleLbl="parChTrans1D2" presStyleIdx="0" presStyleCnt="1"/>
       <dgm:spPr/>
+      <dgm:t>
+        <a:bodyPr/>
+        <a:lstStyle/>
+        <a:p>
+          <a:endParaRPr lang="en-US"/>
+        </a:p>
+      </dgm:t>
     </dgm:pt>
     <dgm:pt modelId="{0E5C868A-3D77-4EBB-9A27-A3EBF23FDF37}" type="pres">
       <dgm:prSet presAssocID="{F7580289-E93E-4BC4-AC42-2626EFBE70A3}" presName="hierRoot2" presStyleCnt="0">
@@ -1114,6 +1143,13 @@
         </dgm:presLayoutVars>
       </dgm:prSet>
       <dgm:spPr/>
+      <dgm:t>
+        <a:bodyPr/>
+        <a:lstStyle/>
+        <a:p>
+          <a:endParaRPr lang="en-US"/>
+        </a:p>
+      </dgm:t>
     </dgm:pt>
     <dgm:pt modelId="{7684C1B1-5A45-4EBD-A9CC-9D70883BB811}" type="pres">
       <dgm:prSet presAssocID="{F7580289-E93E-4BC4-AC42-2626EFBE70A3}" presName="topArc2" presStyleLbl="parChTrans1D1" presStyleIdx="2" presStyleCnt="4"/>
@@ -1126,6 +1162,13 @@
     <dgm:pt modelId="{C1AB05D0-E6D7-4F83-82F6-6B55F5FCF4BC}" type="pres">
       <dgm:prSet presAssocID="{F7580289-E93E-4BC4-AC42-2626EFBE70A3}" presName="topConnNode2" presStyleLbl="node2" presStyleIdx="0" presStyleCnt="0"/>
       <dgm:spPr/>
+      <dgm:t>
+        <a:bodyPr/>
+        <a:lstStyle/>
+        <a:p>
+          <a:endParaRPr lang="en-US"/>
+        </a:p>
+      </dgm:t>
     </dgm:pt>
     <dgm:pt modelId="{BDBBC66E-5148-44BA-B394-293077DC0299}" type="pres">
       <dgm:prSet presAssocID="{F7580289-E93E-4BC4-AC42-2626EFBE70A3}" presName="hierChild4" presStyleCnt="0"/>
@@ -1141,14 +1184,14 @@
     </dgm:pt>
   </dgm:ptLst>
   <dgm:cxnLst>
+    <dgm:cxn modelId="{41A3DA06-8904-4C6F-AEFE-E5EA6F7F4ACE}" type="presOf" srcId="{B1BD7386-59D8-4A48-B7D5-97A366F0448D}" destId="{C421FC54-E940-4908-9684-09C80B8B1EAE}" srcOrd="0" destOrd="0" presId="urn:microsoft.com/office/officeart/2008/layout/HalfCircleOrganizationChart"/>
+    <dgm:cxn modelId="{6F9B7B3F-4543-4595-B5E5-232B74C8822C}" type="presOf" srcId="{F7580289-E93E-4BC4-AC42-2626EFBE70A3}" destId="{C1AB05D0-E6D7-4F83-82F6-6B55F5FCF4BC}" srcOrd="1" destOrd="0" presId="urn:microsoft.com/office/officeart/2008/layout/HalfCircleOrganizationChart"/>
     <dgm:cxn modelId="{A7B7136D-0C72-4BF1-AD5D-FC86F208CD7B}" type="presOf" srcId="{F09523CC-D12B-48C0-93BE-47DE414B4254}" destId="{CA19AF40-FC70-43CA-95FF-35101DC42F4E}" srcOrd="0" destOrd="0" presId="urn:microsoft.com/office/officeart/2008/layout/HalfCircleOrganizationChart"/>
+    <dgm:cxn modelId="{1CEE7C32-E4B3-4105-B98E-AEBB04903F60}" type="presOf" srcId="{D5A237C4-E3DF-4488-A184-82DC233B9012}" destId="{FF0DCDCF-256A-42EA-9361-4284477F517C}" srcOrd="0" destOrd="0" presId="urn:microsoft.com/office/officeart/2008/layout/HalfCircleOrganizationChart"/>
+    <dgm:cxn modelId="{7EED07C4-6C1E-4149-8150-671FFDBAFE21}" srcId="{D5A237C4-E3DF-4488-A184-82DC233B9012}" destId="{F7580289-E93E-4BC4-AC42-2626EFBE70A3}" srcOrd="0" destOrd="0" parTransId="{B1BD7386-59D8-4A48-B7D5-97A366F0448D}" sibTransId="{9DC24CF8-89A0-442E-820E-4AD3A45D59CC}"/>
+    <dgm:cxn modelId="{6DCA1E7B-81B6-4357-9033-BF4E17A72F24}" type="presOf" srcId="{F7580289-E93E-4BC4-AC42-2626EFBE70A3}" destId="{38AB7E96-C350-417D-888E-F86DB2079189}" srcOrd="0" destOrd="0" presId="urn:microsoft.com/office/officeart/2008/layout/HalfCircleOrganizationChart"/>
     <dgm:cxn modelId="{40328784-06DA-45FE-A992-B25701CEB057}" type="presOf" srcId="{D5A237C4-E3DF-4488-A184-82DC233B9012}" destId="{766B93C8-8C57-4E10-82D5-85ADCAC5AE61}" srcOrd="1" destOrd="0" presId="urn:microsoft.com/office/officeart/2008/layout/HalfCircleOrganizationChart"/>
     <dgm:cxn modelId="{C263A1AE-7C0B-4A61-94F9-B00CBC709B85}" srcId="{F09523CC-D12B-48C0-93BE-47DE414B4254}" destId="{D5A237C4-E3DF-4488-A184-82DC233B9012}" srcOrd="0" destOrd="0" parTransId="{EA2CA1C6-5BE6-4FB5-A502-782DAFDA468F}" sibTransId="{408398A4-9849-4051-B6C2-F685017E638C}"/>
-    <dgm:cxn modelId="{7EED07C4-6C1E-4149-8150-671FFDBAFE21}" srcId="{D5A237C4-E3DF-4488-A184-82DC233B9012}" destId="{F7580289-E93E-4BC4-AC42-2626EFBE70A3}" srcOrd="0" destOrd="0" parTransId="{B1BD7386-59D8-4A48-B7D5-97A366F0448D}" sibTransId="{9DC24CF8-89A0-442E-820E-4AD3A45D59CC}"/>
-    <dgm:cxn modelId="{6F9B7B3F-4543-4595-B5E5-232B74C8822C}" type="presOf" srcId="{F7580289-E93E-4BC4-AC42-2626EFBE70A3}" destId="{C1AB05D0-E6D7-4F83-82F6-6B55F5FCF4BC}" srcOrd="1" destOrd="0" presId="urn:microsoft.com/office/officeart/2008/layout/HalfCircleOrganizationChart"/>
-    <dgm:cxn modelId="{6DCA1E7B-81B6-4357-9033-BF4E17A72F24}" type="presOf" srcId="{F7580289-E93E-4BC4-AC42-2626EFBE70A3}" destId="{38AB7E96-C350-417D-888E-F86DB2079189}" srcOrd="0" destOrd="0" presId="urn:microsoft.com/office/officeart/2008/layout/HalfCircleOrganizationChart"/>
-    <dgm:cxn modelId="{41A3DA06-8904-4C6F-AEFE-E5EA6F7F4ACE}" type="presOf" srcId="{B1BD7386-59D8-4A48-B7D5-97A366F0448D}" destId="{C421FC54-E940-4908-9684-09C80B8B1EAE}" srcOrd="0" destOrd="0" presId="urn:microsoft.com/office/officeart/2008/layout/HalfCircleOrganizationChart"/>
-    <dgm:cxn modelId="{1CEE7C32-E4B3-4105-B98E-AEBB04903F60}" type="presOf" srcId="{D5A237C4-E3DF-4488-A184-82DC233B9012}" destId="{FF0DCDCF-256A-42EA-9361-4284477F517C}" srcOrd="0" destOrd="0" presId="urn:microsoft.com/office/officeart/2008/layout/HalfCircleOrganizationChart"/>
     <dgm:cxn modelId="{491B0591-7432-4CBC-ADB9-D06210114617}" type="presParOf" srcId="{CA19AF40-FC70-43CA-95FF-35101DC42F4E}" destId="{948BE506-C979-4AC5-A68B-B4718DAC778B}" srcOrd="0" destOrd="0" presId="urn:microsoft.com/office/officeart/2008/layout/HalfCircleOrganizationChart"/>
     <dgm:cxn modelId="{44DCC3F2-9D2A-48D7-8973-57F87B2AE8A2}" type="presParOf" srcId="{948BE506-C979-4AC5-A68B-B4718DAC778B}" destId="{DA5B0331-8F07-4C77-8805-0B7B5B05D79A}" srcOrd="0" destOrd="0" presId="urn:microsoft.com/office/officeart/2008/layout/HalfCircleOrganizationChart"/>
     <dgm:cxn modelId="{6F5C56AB-35C2-4BED-834B-0EB8789D32DE}" type="presParOf" srcId="{DA5B0331-8F07-4C77-8805-0B7B5B05D79A}" destId="{FF0DCDCF-256A-42EA-9361-4284477F517C}" srcOrd="0" destOrd="0" presId="urn:microsoft.com/office/officeart/2008/layout/HalfCircleOrganizationChart"/>
@@ -4023,7 +4066,7 @@
           <a:p>
             <a:fld id="{4129BF9C-FADC-4A76-8C4B-79D4836FB4E0}" type="datetimeFigureOut">
               <a:rPr lang="en-US" smtClean="0"/>
-              <a:t>8/31/2015</a:t>
+              <a:t>9/2/2015</a:t>
             </a:fld>
             <a:endParaRPr lang="en-US"/>
           </a:p>
@@ -4193,7 +4236,7 @@
           <a:p>
             <a:fld id="{4129BF9C-FADC-4A76-8C4B-79D4836FB4E0}" type="datetimeFigureOut">
               <a:rPr lang="en-US" smtClean="0"/>
-              <a:t>8/31/2015</a:t>
+              <a:t>9/2/2015</a:t>
             </a:fld>
             <a:endParaRPr lang="en-US"/>
           </a:p>
@@ -4373,7 +4416,7 @@
           <a:p>
             <a:fld id="{4129BF9C-FADC-4A76-8C4B-79D4836FB4E0}" type="datetimeFigureOut">
               <a:rPr lang="en-US" smtClean="0"/>
-              <a:t>8/31/2015</a:t>
+              <a:t>9/2/2015</a:t>
             </a:fld>
             <a:endParaRPr lang="en-US"/>
           </a:p>
@@ -4543,7 +4586,7 @@
           <a:p>
             <a:fld id="{4129BF9C-FADC-4A76-8C4B-79D4836FB4E0}" type="datetimeFigureOut">
               <a:rPr lang="en-US" smtClean="0"/>
-              <a:t>8/31/2015</a:t>
+              <a:t>9/2/2015</a:t>
             </a:fld>
             <a:endParaRPr lang="en-US"/>
           </a:p>
@@ -4789,7 +4832,7 @@
           <a:p>
             <a:fld id="{4129BF9C-FADC-4A76-8C4B-79D4836FB4E0}" type="datetimeFigureOut">
               <a:rPr lang="en-US" smtClean="0"/>
-              <a:t>8/31/2015</a:t>
+              <a:t>9/2/2015</a:t>
             </a:fld>
             <a:endParaRPr lang="en-US"/>
           </a:p>
@@ -5021,7 +5064,7 @@
           <a:p>
             <a:fld id="{4129BF9C-FADC-4A76-8C4B-79D4836FB4E0}" type="datetimeFigureOut">
               <a:rPr lang="en-US" smtClean="0"/>
-              <a:t>8/31/2015</a:t>
+              <a:t>9/2/2015</a:t>
             </a:fld>
             <a:endParaRPr lang="en-US"/>
           </a:p>
@@ -5388,7 +5431,7 @@
           <a:p>
             <a:fld id="{4129BF9C-FADC-4A76-8C4B-79D4836FB4E0}" type="datetimeFigureOut">
               <a:rPr lang="en-US" smtClean="0"/>
-              <a:t>8/31/2015</a:t>
+              <a:t>9/2/2015</a:t>
             </a:fld>
             <a:endParaRPr lang="en-US"/>
           </a:p>
@@ -5506,7 +5549,7 @@
           <a:p>
             <a:fld id="{4129BF9C-FADC-4A76-8C4B-79D4836FB4E0}" type="datetimeFigureOut">
               <a:rPr lang="en-US" smtClean="0"/>
-              <a:t>8/31/2015</a:t>
+              <a:t>9/2/2015</a:t>
             </a:fld>
             <a:endParaRPr lang="en-US"/>
           </a:p>
@@ -5601,7 +5644,7 @@
           <a:p>
             <a:fld id="{4129BF9C-FADC-4A76-8C4B-79D4836FB4E0}" type="datetimeFigureOut">
               <a:rPr lang="en-US" smtClean="0"/>
-              <a:t>8/31/2015</a:t>
+              <a:t>9/2/2015</a:t>
             </a:fld>
             <a:endParaRPr lang="en-US"/>
           </a:p>
@@ -5878,7 +5921,7 @@
           <a:p>
             <a:fld id="{4129BF9C-FADC-4A76-8C4B-79D4836FB4E0}" type="datetimeFigureOut">
               <a:rPr lang="en-US" smtClean="0"/>
-              <a:t>8/31/2015</a:t>
+              <a:t>9/2/2015</a:t>
             </a:fld>
             <a:endParaRPr lang="en-US"/>
           </a:p>
@@ -6131,7 +6174,7 @@
           <a:p>
             <a:fld id="{4129BF9C-FADC-4A76-8C4B-79D4836FB4E0}" type="datetimeFigureOut">
               <a:rPr lang="en-US" smtClean="0"/>
-              <a:t>8/31/2015</a:t>
+              <a:t>9/2/2015</a:t>
             </a:fld>
             <a:endParaRPr lang="en-US"/>
           </a:p>
@@ -6344,7 +6387,7 @@
           <a:p>
             <a:fld id="{4129BF9C-FADC-4A76-8C4B-79D4836FB4E0}" type="datetimeFigureOut">
               <a:rPr lang="en-US" smtClean="0"/>
-              <a:t>8/31/2015</a:t>
+              <a:t>9/2/2015</a:t>
             </a:fld>
             <a:endParaRPr lang="en-US"/>
           </a:p>
@@ -6807,17 +6850,17 @@
           </a:prstGeom>
         </p:spPr>
         <p:style>
-          <a:lnRef idx="3">
-            <a:schemeClr val="lt1"/>
+          <a:lnRef idx="1">
+            <a:schemeClr val="accent3"/>
           </a:lnRef>
-          <a:fillRef idx="1">
-            <a:schemeClr val="dk1"/>
+          <a:fillRef idx="2">
+            <a:schemeClr val="accent3"/>
           </a:fillRef>
           <a:effectRef idx="1">
-            <a:schemeClr val="dk1"/>
+            <a:schemeClr val="accent3"/>
           </a:effectRef>
           <a:fontRef idx="minor">
-            <a:schemeClr val="lt1"/>
+            <a:schemeClr val="dk1"/>
           </a:fontRef>
         </p:style>
         <p:txBody>
@@ -6865,17 +6908,17 @@
           </a:prstGeom>
         </p:spPr>
         <p:style>
-          <a:lnRef idx="3">
-            <a:schemeClr val="lt1"/>
+          <a:lnRef idx="1">
+            <a:schemeClr val="accent3"/>
           </a:lnRef>
-          <a:fillRef idx="1">
-            <a:schemeClr val="dk1"/>
+          <a:fillRef idx="2">
+            <a:schemeClr val="accent3"/>
           </a:fillRef>
           <a:effectRef idx="1">
-            <a:schemeClr val="dk1"/>
+            <a:schemeClr val="accent3"/>
           </a:effectRef>
           <a:fontRef idx="minor">
-            <a:schemeClr val="lt1"/>
+            <a:schemeClr val="dk1"/>
           </a:fontRef>
         </p:style>
         <p:txBody>
@@ -6919,17 +6962,17 @@
           </a:prstGeom>
         </p:spPr>
         <p:style>
-          <a:lnRef idx="3">
-            <a:schemeClr val="lt1"/>
+          <a:lnRef idx="1">
+            <a:schemeClr val="accent3"/>
           </a:lnRef>
-          <a:fillRef idx="1">
-            <a:schemeClr val="dk1"/>
+          <a:fillRef idx="2">
+            <a:schemeClr val="accent3"/>
           </a:fillRef>
           <a:effectRef idx="1">
-            <a:schemeClr val="dk1"/>
+            <a:schemeClr val="accent3"/>
           </a:effectRef>
           <a:fontRef idx="minor">
-            <a:schemeClr val="lt1"/>
+            <a:schemeClr val="dk1"/>
           </a:fontRef>
         </p:style>
         <p:txBody>
@@ -6995,17 +7038,17 @@
           </a:prstGeom>
         </p:spPr>
         <p:style>
-          <a:lnRef idx="3">
-            <a:schemeClr val="lt1"/>
+          <a:lnRef idx="1">
+            <a:schemeClr val="accent3"/>
           </a:lnRef>
-          <a:fillRef idx="1">
-            <a:schemeClr val="dk1"/>
+          <a:fillRef idx="2">
+            <a:schemeClr val="accent3"/>
           </a:fillRef>
           <a:effectRef idx="1">
-            <a:schemeClr val="dk1"/>
+            <a:schemeClr val="accent3"/>
           </a:effectRef>
           <a:fontRef idx="minor">
-            <a:schemeClr val="lt1"/>
+            <a:schemeClr val="dk1"/>
           </a:fontRef>
         </p:style>
         <p:txBody>
@@ -7053,17 +7096,17 @@
           </a:prstGeom>
         </p:spPr>
         <p:style>
-          <a:lnRef idx="3">
-            <a:schemeClr val="lt1"/>
+          <a:lnRef idx="1">
+            <a:schemeClr val="accent3"/>
           </a:lnRef>
-          <a:fillRef idx="1">
-            <a:schemeClr val="dk1"/>
+          <a:fillRef idx="2">
+            <a:schemeClr val="accent3"/>
           </a:fillRef>
           <a:effectRef idx="1">
-            <a:schemeClr val="dk1"/>
+            <a:schemeClr val="accent3"/>
           </a:effectRef>
           <a:fontRef idx="minor">
-            <a:schemeClr val="lt1"/>
+            <a:schemeClr val="dk1"/>
           </a:fontRef>
         </p:style>
         <p:txBody>
@@ -7153,17 +7196,17 @@
           </a:prstGeom>
         </p:spPr>
         <p:style>
-          <a:lnRef idx="3">
-            <a:schemeClr val="lt1"/>
+          <a:lnRef idx="1">
+            <a:schemeClr val="accent3"/>
           </a:lnRef>
-          <a:fillRef idx="1">
-            <a:schemeClr val="dk1"/>
+          <a:fillRef idx="2">
+            <a:schemeClr val="accent3"/>
           </a:fillRef>
           <a:effectRef idx="1">
-            <a:schemeClr val="dk1"/>
+            <a:schemeClr val="accent3"/>
           </a:effectRef>
           <a:fontRef idx="minor">
-            <a:schemeClr val="lt1"/>
+            <a:schemeClr val="dk1"/>
           </a:fontRef>
         </p:style>
         <p:txBody>
@@ -7350,17 +7393,17 @@
           </a:prstGeom>
         </p:spPr>
         <p:style>
-          <a:lnRef idx="3">
-            <a:schemeClr val="lt1"/>
+          <a:lnRef idx="1">
+            <a:schemeClr val="accent3"/>
           </a:lnRef>
-          <a:fillRef idx="1">
-            <a:schemeClr val="dk1"/>
+          <a:fillRef idx="2">
+            <a:schemeClr val="accent3"/>
           </a:fillRef>
           <a:effectRef idx="1">
-            <a:schemeClr val="dk1"/>
+            <a:schemeClr val="accent3"/>
           </a:effectRef>
           <a:fontRef idx="minor">
-            <a:schemeClr val="lt1"/>
+            <a:schemeClr val="dk1"/>
           </a:fontRef>
         </p:style>
         <p:txBody>
@@ -7398,17 +7441,17 @@
           </a:prstGeom>
         </p:spPr>
         <p:style>
-          <a:lnRef idx="3">
-            <a:schemeClr val="lt1"/>
+          <a:lnRef idx="1">
+            <a:schemeClr val="accent3"/>
           </a:lnRef>
-          <a:fillRef idx="1">
-            <a:schemeClr val="dk1"/>
+          <a:fillRef idx="2">
+            <a:schemeClr val="accent3"/>
           </a:fillRef>
           <a:effectRef idx="1">
-            <a:schemeClr val="dk1"/>
+            <a:schemeClr val="accent3"/>
           </a:effectRef>
           <a:fontRef idx="minor">
-            <a:schemeClr val="lt1"/>
+            <a:schemeClr val="dk1"/>
           </a:fontRef>
         </p:style>
         <p:txBody>
@@ -7527,19 +7570,17 @@
           </a:prstGeom>
         </p:spPr>
         <p:style>
-          <a:lnRef idx="2">
-            <a:schemeClr val="dk1">
-              <a:shade val="50000"/>
-            </a:schemeClr>
+          <a:lnRef idx="1">
+            <a:schemeClr val="accent3"/>
           </a:lnRef>
-          <a:fillRef idx="1">
-            <a:schemeClr val="dk1"/>
+          <a:fillRef idx="2">
+            <a:schemeClr val="accent3"/>
           </a:fillRef>
-          <a:effectRef idx="0">
-            <a:schemeClr val="dk1"/>
+          <a:effectRef idx="1">
+            <a:schemeClr val="accent3"/>
           </a:effectRef>
           <a:fontRef idx="minor">
-            <a:schemeClr val="lt1"/>
+            <a:schemeClr val="dk1"/>
           </a:fontRef>
         </p:style>
         <p:txBody>
@@ -7548,7 +7589,7 @@
           <a:p>
             <a:pPr algn="ctr"/>
             <a:r>
-              <a:rPr lang="en-US" dirty="0" smtClean="0">
+              <a:rPr lang="en-US" sz="1600" dirty="0" smtClean="0">
                 <a:latin typeface="Consolas" panose="020B0609020204030204" pitchFamily="49" charset="0"/>
                 <a:cs typeface="Consolas" panose="020B0609020204030204" pitchFamily="49" charset="0"/>
               </a:rPr>
@@ -7637,62 +7678,6 @@
           <a:p>
             <a:pPr algn="ctr"/>
             <a:endParaRPr lang="en-US"/>
-          </a:p>
-        </p:txBody>
-      </p:sp>
-      <p:sp>
-        <p:nvSpPr>
-          <p:cNvPr id="51" name="Flowchart: Alternate Process 50"/>
-          <p:cNvSpPr/>
-          <p:nvPr/>
-        </p:nvSpPr>
-        <p:spPr>
-          <a:xfrm>
-            <a:off x="9316737" y="3195916"/>
-            <a:ext cx="1843081" cy="2167194"/>
-          </a:xfrm>
-          <a:prstGeom prst="flowChartAlternateProcess">
-            <a:avLst/>
-          </a:prstGeom>
-          <a:solidFill>
-            <a:schemeClr val="lt1">
-              <a:alpha val="0"/>
-            </a:schemeClr>
-          </a:solidFill>
-          <a:ln>
-            <a:prstDash val="dash"/>
-          </a:ln>
-        </p:spPr>
-        <p:style>
-          <a:lnRef idx="2">
-            <a:schemeClr val="dk1"/>
-          </a:lnRef>
-          <a:fillRef idx="1">
-            <a:schemeClr val="lt1"/>
-          </a:fillRef>
-          <a:effectRef idx="0">
-            <a:schemeClr val="dk1"/>
-          </a:effectRef>
-          <a:fontRef idx="minor">
-            <a:schemeClr val="dk1"/>
-          </a:fontRef>
-        </p:style>
-        <p:txBody>
-          <a:bodyPr lIns="0" tIns="0" rIns="914400" bIns="2103120" rtlCol="0" anchor="t" anchorCtr="0"/>
-          <a:lstStyle/>
-          <a:p>
-            <a:pPr algn="ctr"/>
-            <a:r>
-              <a:rPr lang="en-US" sz="1200" dirty="0" smtClean="0">
-                <a:latin typeface="Consolas" panose="020B0609020204030204" pitchFamily="49" charset="0"/>
-                <a:cs typeface="Consolas" panose="020B0609020204030204" pitchFamily="49" charset="0"/>
-              </a:rPr>
-              <a:t>ANALYSIS</a:t>
-            </a:r>
-            <a:endParaRPr lang="en-US" sz="1100" dirty="0">
-              <a:latin typeface="Consolas" panose="020B0609020204030204" pitchFamily="49" charset="0"/>
-              <a:cs typeface="Consolas" panose="020B0609020204030204" pitchFamily="49" charset="0"/>
-            </a:endParaRPr>
           </a:p>
         </p:txBody>
       </p:sp>
@@ -7793,7 +7778,7 @@
         </p:nvSpPr>
         <p:spPr>
           <a:xfrm>
-            <a:off x="3521925" y="2833949"/>
+            <a:off x="3521925" y="2797079"/>
             <a:ext cx="296876" cy="338554"/>
           </a:xfrm>
           <a:prstGeom prst="rect">
@@ -7854,10 +7839,739 @@
           </a:effectLst>
         </p:spPr>
       </p:pic>
+      <p:sp>
+        <p:nvSpPr>
+          <p:cNvPr id="51" name="Flowchart: Alternate Process 50"/>
+          <p:cNvSpPr/>
+          <p:nvPr/>
+        </p:nvSpPr>
+        <p:spPr>
+          <a:xfrm>
+            <a:off x="9316737" y="3195916"/>
+            <a:ext cx="1843081" cy="2167194"/>
+          </a:xfrm>
+          <a:prstGeom prst="flowChartAlternateProcess">
+            <a:avLst/>
+          </a:prstGeom>
+          <a:solidFill>
+            <a:schemeClr val="lt1">
+              <a:alpha val="0"/>
+            </a:schemeClr>
+          </a:solidFill>
+          <a:ln>
+            <a:prstDash val="dash"/>
+          </a:ln>
+        </p:spPr>
+        <p:style>
+          <a:lnRef idx="2">
+            <a:schemeClr val="dk1"/>
+          </a:lnRef>
+          <a:fillRef idx="1">
+            <a:schemeClr val="lt1"/>
+          </a:fillRef>
+          <a:effectRef idx="0">
+            <a:schemeClr val="dk1"/>
+          </a:effectRef>
+          <a:fontRef idx="minor">
+            <a:schemeClr val="dk1"/>
+          </a:fontRef>
+        </p:style>
+        <p:txBody>
+          <a:bodyPr lIns="0" tIns="0" rIns="914400" bIns="2103120" rtlCol="0" anchor="t" anchorCtr="0"/>
+          <a:lstStyle/>
+          <a:p>
+            <a:pPr algn="ctr"/>
+            <a:r>
+              <a:rPr lang="en-US" sz="1200" dirty="0" smtClean="0">
+                <a:latin typeface="Consolas" panose="020B0609020204030204" pitchFamily="49" charset="0"/>
+                <a:cs typeface="Consolas" panose="020B0609020204030204" pitchFamily="49" charset="0"/>
+              </a:rPr>
+              <a:t>ANALYSIS</a:t>
+            </a:r>
+            <a:endParaRPr lang="en-US" sz="1100" dirty="0">
+              <a:latin typeface="Consolas" panose="020B0609020204030204" pitchFamily="49" charset="0"/>
+              <a:cs typeface="Consolas" panose="020B0609020204030204" pitchFamily="49" charset="0"/>
+            </a:endParaRPr>
+          </a:p>
+        </p:txBody>
+      </p:sp>
     </p:spTree>
     <p:extLst>
       <p:ext uri="{BB962C8B-B14F-4D97-AF65-F5344CB8AC3E}">
         <p14:creationId xmlns:p14="http://schemas.microsoft.com/office/powerpoint/2010/main" val="1689299466"/>
+      </p:ext>
+    </p:extLst>
+  </p:cSld>
+  <p:clrMapOvr>
+    <a:masterClrMapping/>
+  </p:clrMapOvr>
+</p:sld>
+</file>
+
+<file path=ppt/slides/slide2.xml><?xml version="1.0" encoding="utf-8"?>
+<p:sld xmlns:a="http://schemas.openxmlformats.org/drawingml/2006/main" xmlns:r="http://schemas.openxmlformats.org/officeDocument/2006/relationships" xmlns:p="http://schemas.openxmlformats.org/presentationml/2006/main">
+  <p:cSld>
+    <p:spTree>
+      <p:nvGrpSpPr>
+        <p:cNvPr id="1" name=""/>
+        <p:cNvGrpSpPr/>
+        <p:nvPr/>
+      </p:nvGrpSpPr>
+      <p:grpSpPr>
+        <a:xfrm>
+          <a:off x="0" y="0"/>
+          <a:ext cx="0" cy="0"/>
+          <a:chOff x="0" y="0"/>
+          <a:chExt cx="0" cy="0"/>
+        </a:xfrm>
+      </p:grpSpPr>
+      <p:sp>
+        <p:nvSpPr>
+          <p:cNvPr id="4" name="Rectangle 3"/>
+          <p:cNvSpPr/>
+          <p:nvPr/>
+        </p:nvSpPr>
+        <p:spPr>
+          <a:xfrm>
+            <a:off x="6625639" y="823427"/>
+            <a:ext cx="1280160" cy="731520"/>
+          </a:xfrm>
+          <a:prstGeom prst="rect">
+            <a:avLst/>
+          </a:prstGeom>
+        </p:spPr>
+        <p:style>
+          <a:lnRef idx="2">
+            <a:schemeClr val="dk1"/>
+          </a:lnRef>
+          <a:fillRef idx="1">
+            <a:schemeClr val="lt1"/>
+          </a:fillRef>
+          <a:effectRef idx="0">
+            <a:schemeClr val="dk1"/>
+          </a:effectRef>
+          <a:fontRef idx="minor">
+            <a:schemeClr val="dk1"/>
+          </a:fontRef>
+        </p:style>
+        <p:txBody>
+          <a:bodyPr rtlCol="0" anchor="ctr"/>
+          <a:lstStyle/>
+          <a:p>
+            <a:pPr algn="ctr"/>
+            <a:r>
+              <a:rPr lang="en-US" sz="1400" dirty="0" smtClean="0">
+                <a:latin typeface="Consolas" panose="020B0609020204030204" pitchFamily="49" charset="0"/>
+                <a:cs typeface="Consolas" panose="020B0609020204030204" pitchFamily="49" charset="0"/>
+              </a:rPr>
+              <a:t>Car</a:t>
+            </a:r>
+            <a:endParaRPr lang="en-US" sz="1400" dirty="0">
+              <a:latin typeface="Consolas" panose="020B0609020204030204" pitchFamily="49" charset="0"/>
+              <a:cs typeface="Consolas" panose="020B0609020204030204" pitchFamily="49" charset="0"/>
+            </a:endParaRPr>
+          </a:p>
+        </p:txBody>
+      </p:sp>
+      <p:sp>
+        <p:nvSpPr>
+          <p:cNvPr id="6" name="Rectangle 5"/>
+          <p:cNvSpPr/>
+          <p:nvPr/>
+        </p:nvSpPr>
+        <p:spPr>
+          <a:xfrm>
+            <a:off x="6582054" y="4617472"/>
+            <a:ext cx="1839272" cy="731520"/>
+          </a:xfrm>
+          <a:prstGeom prst="rect">
+            <a:avLst/>
+          </a:prstGeom>
+        </p:spPr>
+        <p:style>
+          <a:lnRef idx="2">
+            <a:schemeClr val="dk1"/>
+          </a:lnRef>
+          <a:fillRef idx="1">
+            <a:schemeClr val="lt1"/>
+          </a:fillRef>
+          <a:effectRef idx="0">
+            <a:schemeClr val="dk1"/>
+          </a:effectRef>
+          <a:fontRef idx="minor">
+            <a:schemeClr val="dk1"/>
+          </a:fontRef>
+        </p:style>
+        <p:txBody>
+          <a:bodyPr rtlCol="0" anchor="ctr"/>
+          <a:lstStyle/>
+          <a:p>
+            <a:pPr algn="ctr"/>
+            <a:r>
+              <a:rPr lang="en-US" sz="1400" dirty="0" smtClean="0">
+                <a:latin typeface="Consolas" panose="020B0609020204030204" pitchFamily="49" charset="0"/>
+                <a:cs typeface="Consolas" panose="020B0609020204030204" pitchFamily="49" charset="0"/>
+              </a:rPr>
+              <a:t>Set[</a:t>
+            </a:r>
+            <a:r>
+              <a:rPr lang="en-US" sz="1400" dirty="0" err="1" smtClean="0">
+                <a:latin typeface="Consolas" panose="020B0609020204030204" pitchFamily="49" charset="0"/>
+                <a:cs typeface="Consolas" panose="020B0609020204030204" pitchFamily="49" charset="0"/>
+              </a:rPr>
+              <a:t>BankAccount</a:t>
+            </a:r>
+            <a:r>
+              <a:rPr lang="en-US" sz="1400" dirty="0" smtClean="0">
+                <a:latin typeface="Consolas" panose="020B0609020204030204" pitchFamily="49" charset="0"/>
+                <a:cs typeface="Consolas" panose="020B0609020204030204" pitchFamily="49" charset="0"/>
+              </a:rPr>
+              <a:t>]</a:t>
+            </a:r>
+            <a:endParaRPr lang="en-US" sz="1400" dirty="0">
+              <a:latin typeface="Consolas" panose="020B0609020204030204" pitchFamily="49" charset="0"/>
+              <a:cs typeface="Consolas" panose="020B0609020204030204" pitchFamily="49" charset="0"/>
+            </a:endParaRPr>
+          </a:p>
+        </p:txBody>
+      </p:sp>
+      <p:sp>
+        <p:nvSpPr>
+          <p:cNvPr id="8" name="Rectangle 7"/>
+          <p:cNvSpPr/>
+          <p:nvPr/>
+        </p:nvSpPr>
+        <p:spPr>
+          <a:xfrm>
+            <a:off x="3470791" y="3009675"/>
+            <a:ext cx="1280160" cy="731520"/>
+          </a:xfrm>
+          <a:prstGeom prst="rect">
+            <a:avLst/>
+          </a:prstGeom>
+        </p:spPr>
+        <p:style>
+          <a:lnRef idx="2">
+            <a:schemeClr val="dk1"/>
+          </a:lnRef>
+          <a:fillRef idx="1">
+            <a:schemeClr val="lt1"/>
+          </a:fillRef>
+          <a:effectRef idx="0">
+            <a:schemeClr val="dk1"/>
+          </a:effectRef>
+          <a:fontRef idx="minor">
+            <a:schemeClr val="dk1"/>
+          </a:fontRef>
+        </p:style>
+        <p:txBody>
+          <a:bodyPr rtlCol="0" anchor="ctr"/>
+          <a:lstStyle/>
+          <a:p>
+            <a:pPr algn="ctr"/>
+            <a:r>
+              <a:rPr lang="en-US" sz="1400" dirty="0" smtClean="0">
+                <a:latin typeface="Consolas" panose="020B0609020204030204" pitchFamily="49" charset="0"/>
+                <a:cs typeface="Consolas" panose="020B0609020204030204" pitchFamily="49" charset="0"/>
+              </a:rPr>
+              <a:t>Person</a:t>
+            </a:r>
+            <a:endParaRPr lang="en-US" sz="1400" dirty="0">
+              <a:latin typeface="Consolas" panose="020B0609020204030204" pitchFamily="49" charset="0"/>
+              <a:cs typeface="Consolas" panose="020B0609020204030204" pitchFamily="49" charset="0"/>
+            </a:endParaRPr>
+          </a:p>
+        </p:txBody>
+      </p:sp>
+      <p:cxnSp>
+        <p:nvCxnSpPr>
+          <p:cNvPr id="12" name="Curved Connector 11"/>
+          <p:cNvCxnSpPr>
+            <a:stCxn id="8" idx="0"/>
+            <a:endCxn id="4" idx="1"/>
+          </p:cNvCxnSpPr>
+          <p:nvPr/>
+        </p:nvCxnSpPr>
+        <p:spPr>
+          <a:xfrm rot="5400000" flipH="1" flipV="1">
+            <a:off x="4458011" y="842047"/>
+            <a:ext cx="1820488" cy="2514768"/>
+          </a:xfrm>
+          <a:prstGeom prst="curvedConnector2">
+            <a:avLst/>
+          </a:prstGeom>
+          <a:ln>
+            <a:tailEnd type="triangle"/>
+          </a:ln>
+        </p:spPr>
+        <p:style>
+          <a:lnRef idx="1">
+            <a:schemeClr val="dk1"/>
+          </a:lnRef>
+          <a:fillRef idx="0">
+            <a:schemeClr val="dk1"/>
+          </a:fillRef>
+          <a:effectRef idx="0">
+            <a:schemeClr val="dk1"/>
+          </a:effectRef>
+          <a:fontRef idx="minor">
+            <a:schemeClr val="tx1"/>
+          </a:fontRef>
+        </p:style>
+      </p:cxnSp>
+      <p:cxnSp>
+        <p:nvCxnSpPr>
+          <p:cNvPr id="13" name="Curved Connector 12"/>
+          <p:cNvCxnSpPr>
+            <a:stCxn id="8" idx="2"/>
+            <a:endCxn id="6" idx="1"/>
+          </p:cNvCxnSpPr>
+          <p:nvPr/>
+        </p:nvCxnSpPr>
+        <p:spPr>
+          <a:xfrm rot="16200000" flipH="1">
+            <a:off x="4725444" y="3126621"/>
+            <a:ext cx="1242037" cy="2471183"/>
+          </a:xfrm>
+          <a:prstGeom prst="curvedConnector2">
+            <a:avLst/>
+          </a:prstGeom>
+          <a:ln>
+            <a:tailEnd type="triangle"/>
+          </a:ln>
+        </p:spPr>
+        <p:style>
+          <a:lnRef idx="1">
+            <a:schemeClr val="dk1"/>
+          </a:lnRef>
+          <a:fillRef idx="0">
+            <a:schemeClr val="dk1"/>
+          </a:fillRef>
+          <a:effectRef idx="0">
+            <a:schemeClr val="dk1"/>
+          </a:effectRef>
+          <a:fontRef idx="minor">
+            <a:schemeClr val="tx1"/>
+          </a:fontRef>
+        </p:style>
+      </p:cxnSp>
+      <p:sp>
+        <p:nvSpPr>
+          <p:cNvPr id="19" name="TextBox 18"/>
+          <p:cNvSpPr txBox="1"/>
+          <p:nvPr/>
+        </p:nvSpPr>
+        <p:spPr>
+          <a:xfrm>
+            <a:off x="6300733" y="1206123"/>
+            <a:ext cx="284052" cy="307777"/>
+          </a:xfrm>
+          <a:prstGeom prst="rect">
+            <a:avLst/>
+          </a:prstGeom>
+          <a:noFill/>
+        </p:spPr>
+        <p:txBody>
+          <a:bodyPr wrap="none" rtlCol="0">
+            <a:spAutoFit/>
+          </a:bodyPr>
+          <a:lstStyle/>
+          <a:p>
+            <a:r>
+              <a:rPr lang="en-US" sz="1400" dirty="0">
+                <a:latin typeface="Consolas" panose="020B0609020204030204" pitchFamily="49" charset="0"/>
+                <a:cs typeface="Consolas" panose="020B0609020204030204" pitchFamily="49" charset="0"/>
+              </a:rPr>
+              <a:t>*</a:t>
+            </a:r>
+            <a:endParaRPr lang="en-US" sz="1400" dirty="0">
+              <a:latin typeface="Consolas" panose="020B0609020204030204" pitchFamily="49" charset="0"/>
+              <a:cs typeface="Consolas" panose="020B0609020204030204" pitchFamily="49" charset="0"/>
+            </a:endParaRPr>
+          </a:p>
+        </p:txBody>
+      </p:sp>
+      <p:sp>
+        <p:nvSpPr>
+          <p:cNvPr id="20" name="TextBox 19"/>
+          <p:cNvSpPr txBox="1"/>
+          <p:nvPr/>
+        </p:nvSpPr>
+        <p:spPr>
+          <a:xfrm>
+            <a:off x="6054647" y="898303"/>
+            <a:ext cx="677049" cy="307777"/>
+          </a:xfrm>
+          <a:prstGeom prst="rect">
+            <a:avLst/>
+          </a:prstGeom>
+          <a:noFill/>
+        </p:spPr>
+        <p:txBody>
+          <a:bodyPr wrap="square" rtlCol="0">
+            <a:spAutoFit/>
+          </a:bodyPr>
+          <a:lstStyle/>
+          <a:p>
+            <a:r>
+              <a:rPr lang="en-US" sz="1400" dirty="0" smtClean="0">
+                <a:latin typeface="Consolas" panose="020B0609020204030204" pitchFamily="49" charset="0"/>
+                <a:cs typeface="Consolas" panose="020B0609020204030204" pitchFamily="49" charset="0"/>
+              </a:rPr>
+              <a:t>cars</a:t>
+            </a:r>
+            <a:endParaRPr lang="en-US" sz="1400" dirty="0">
+              <a:latin typeface="Consolas" panose="020B0609020204030204" pitchFamily="49" charset="0"/>
+              <a:cs typeface="Consolas" panose="020B0609020204030204" pitchFamily="49" charset="0"/>
+            </a:endParaRPr>
+          </a:p>
+        </p:txBody>
+      </p:sp>
+      <p:sp>
+        <p:nvSpPr>
+          <p:cNvPr id="22" name="TextBox 21"/>
+          <p:cNvSpPr txBox="1"/>
+          <p:nvPr/>
+        </p:nvSpPr>
+        <p:spPr>
+          <a:xfrm>
+            <a:off x="5756752" y="4978936"/>
+            <a:ext cx="482824" cy="307777"/>
+          </a:xfrm>
+          <a:prstGeom prst="rect">
+            <a:avLst/>
+          </a:prstGeom>
+          <a:noFill/>
+        </p:spPr>
+        <p:txBody>
+          <a:bodyPr wrap="none" rtlCol="0">
+            <a:spAutoFit/>
+          </a:bodyPr>
+          <a:lstStyle/>
+          <a:p>
+            <a:r>
+              <a:rPr lang="en-US" sz="1400" dirty="0" smtClean="0">
+                <a:latin typeface="Consolas" panose="020B0609020204030204" pitchFamily="49" charset="0"/>
+                <a:cs typeface="Consolas" panose="020B0609020204030204" pitchFamily="49" charset="0"/>
+              </a:rPr>
+              <a:t>1,*</a:t>
+            </a:r>
+            <a:endParaRPr lang="en-US" sz="1400" dirty="0">
+              <a:latin typeface="Consolas" panose="020B0609020204030204" pitchFamily="49" charset="0"/>
+              <a:cs typeface="Consolas" panose="020B0609020204030204" pitchFamily="49" charset="0"/>
+            </a:endParaRPr>
+          </a:p>
+        </p:txBody>
+      </p:sp>
+      <p:sp>
+        <p:nvSpPr>
+          <p:cNvPr id="23" name="TextBox 22"/>
+          <p:cNvSpPr txBox="1"/>
+          <p:nvPr/>
+        </p:nvSpPr>
+        <p:spPr>
+          <a:xfrm>
+            <a:off x="5384563" y="4617472"/>
+            <a:ext cx="1058196" cy="307777"/>
+          </a:xfrm>
+          <a:prstGeom prst="rect">
+            <a:avLst/>
+          </a:prstGeom>
+          <a:noFill/>
+        </p:spPr>
+        <p:txBody>
+          <a:bodyPr wrap="square" rtlCol="0">
+            <a:spAutoFit/>
+          </a:bodyPr>
+          <a:lstStyle/>
+          <a:p>
+            <a:r>
+              <a:rPr lang="en-US" sz="1400" dirty="0" smtClean="0">
+                <a:latin typeface="Consolas" panose="020B0609020204030204" pitchFamily="49" charset="0"/>
+                <a:cs typeface="Consolas" panose="020B0609020204030204" pitchFamily="49" charset="0"/>
+              </a:rPr>
+              <a:t>accounts</a:t>
+            </a:r>
+            <a:endParaRPr lang="en-US" sz="1400" dirty="0">
+              <a:latin typeface="Consolas" panose="020B0609020204030204" pitchFamily="49" charset="0"/>
+              <a:cs typeface="Consolas" panose="020B0609020204030204" pitchFamily="49" charset="0"/>
+            </a:endParaRPr>
+          </a:p>
+        </p:txBody>
+      </p:sp>
+      <p:sp>
+        <p:nvSpPr>
+          <p:cNvPr id="29" name="Rectangle 28"/>
+          <p:cNvSpPr/>
+          <p:nvPr/>
+        </p:nvSpPr>
+        <p:spPr>
+          <a:xfrm>
+            <a:off x="6625639" y="3000664"/>
+            <a:ext cx="1280160" cy="731520"/>
+          </a:xfrm>
+          <a:prstGeom prst="rect">
+            <a:avLst/>
+          </a:prstGeom>
+        </p:spPr>
+        <p:style>
+          <a:lnRef idx="2">
+            <a:schemeClr val="dk1"/>
+          </a:lnRef>
+          <a:fillRef idx="1">
+            <a:schemeClr val="lt1"/>
+          </a:fillRef>
+          <a:effectRef idx="0">
+            <a:schemeClr val="dk1"/>
+          </a:effectRef>
+          <a:fontRef idx="minor">
+            <a:schemeClr val="dk1"/>
+          </a:fontRef>
+        </p:style>
+        <p:txBody>
+          <a:bodyPr rtlCol="0" anchor="ctr"/>
+          <a:lstStyle/>
+          <a:p>
+            <a:pPr algn="ctr"/>
+            <a:r>
+              <a:rPr lang="en-US" sz="1400" dirty="0" smtClean="0">
+                <a:latin typeface="Consolas" panose="020B0609020204030204" pitchFamily="49" charset="0"/>
+                <a:cs typeface="Consolas" panose="020B0609020204030204" pitchFamily="49" charset="0"/>
+              </a:rPr>
+              <a:t>Set[Person]</a:t>
+            </a:r>
+            <a:endParaRPr lang="en-US" sz="1400" dirty="0">
+              <a:latin typeface="Consolas" panose="020B0609020204030204" pitchFamily="49" charset="0"/>
+              <a:cs typeface="Consolas" panose="020B0609020204030204" pitchFamily="49" charset="0"/>
+            </a:endParaRPr>
+          </a:p>
+        </p:txBody>
+      </p:sp>
+      <p:cxnSp>
+        <p:nvCxnSpPr>
+          <p:cNvPr id="32" name="Curved Connector 31"/>
+          <p:cNvCxnSpPr>
+            <a:stCxn id="8" idx="3"/>
+            <a:endCxn id="29" idx="1"/>
+          </p:cNvCxnSpPr>
+          <p:nvPr/>
+        </p:nvCxnSpPr>
+        <p:spPr>
+          <a:xfrm flipV="1">
+            <a:off x="4750951" y="3366424"/>
+            <a:ext cx="1874688" cy="9011"/>
+          </a:xfrm>
+          <a:prstGeom prst="curvedConnector3">
+            <a:avLst>
+              <a:gd name="adj1" fmla="val 50000"/>
+            </a:avLst>
+          </a:prstGeom>
+          <a:ln>
+            <a:tailEnd type="triangle"/>
+          </a:ln>
+        </p:spPr>
+        <p:style>
+          <a:lnRef idx="1">
+            <a:schemeClr val="dk1"/>
+          </a:lnRef>
+          <a:fillRef idx="0">
+            <a:schemeClr val="dk1"/>
+          </a:fillRef>
+          <a:effectRef idx="0">
+            <a:schemeClr val="dk1"/>
+          </a:effectRef>
+          <a:fontRef idx="minor">
+            <a:schemeClr val="tx1"/>
+          </a:fontRef>
+        </p:style>
+      </p:cxnSp>
+      <p:sp>
+        <p:nvSpPr>
+          <p:cNvPr id="35" name="TextBox 34"/>
+          <p:cNvSpPr txBox="1"/>
+          <p:nvPr/>
+        </p:nvSpPr>
+        <p:spPr>
+          <a:xfrm>
+            <a:off x="5647009" y="3053287"/>
+            <a:ext cx="1058196" cy="307777"/>
+          </a:xfrm>
+          <a:prstGeom prst="rect">
+            <a:avLst/>
+          </a:prstGeom>
+          <a:noFill/>
+        </p:spPr>
+        <p:txBody>
+          <a:bodyPr wrap="square" rtlCol="0">
+            <a:spAutoFit/>
+          </a:bodyPr>
+          <a:lstStyle/>
+          <a:p>
+            <a:r>
+              <a:rPr lang="en-US" sz="1400" dirty="0" smtClean="0">
+                <a:latin typeface="Consolas" panose="020B0609020204030204" pitchFamily="49" charset="0"/>
+                <a:cs typeface="Consolas" panose="020B0609020204030204" pitchFamily="49" charset="0"/>
+              </a:rPr>
+              <a:t>children</a:t>
+            </a:r>
+            <a:endParaRPr lang="en-US" sz="1400" dirty="0">
+              <a:latin typeface="Consolas" panose="020B0609020204030204" pitchFamily="49" charset="0"/>
+              <a:cs typeface="Consolas" panose="020B0609020204030204" pitchFamily="49" charset="0"/>
+            </a:endParaRPr>
+          </a:p>
+        </p:txBody>
+      </p:sp>
+      <p:sp>
+        <p:nvSpPr>
+          <p:cNvPr id="36" name="TextBox 35"/>
+          <p:cNvSpPr txBox="1"/>
+          <p:nvPr/>
+        </p:nvSpPr>
+        <p:spPr>
+          <a:xfrm>
+            <a:off x="6300733" y="3375434"/>
+            <a:ext cx="284052" cy="307777"/>
+          </a:xfrm>
+          <a:prstGeom prst="rect">
+            <a:avLst/>
+          </a:prstGeom>
+          <a:noFill/>
+        </p:spPr>
+        <p:txBody>
+          <a:bodyPr wrap="none" rtlCol="0">
+            <a:spAutoFit/>
+          </a:bodyPr>
+          <a:lstStyle/>
+          <a:p>
+            <a:r>
+              <a:rPr lang="en-US" sz="1400" dirty="0" smtClean="0">
+                <a:latin typeface="Consolas" panose="020B0609020204030204" pitchFamily="49" charset="0"/>
+                <a:cs typeface="Consolas" panose="020B0609020204030204" pitchFamily="49" charset="0"/>
+              </a:rPr>
+              <a:t>1</a:t>
+            </a:r>
+            <a:endParaRPr lang="en-US" sz="1400" dirty="0">
+              <a:latin typeface="Consolas" panose="020B0609020204030204" pitchFamily="49" charset="0"/>
+              <a:cs typeface="Consolas" panose="020B0609020204030204" pitchFamily="49" charset="0"/>
+            </a:endParaRPr>
+          </a:p>
+        </p:txBody>
+      </p:sp>
+      <p:cxnSp>
+        <p:nvCxnSpPr>
+          <p:cNvPr id="37" name="Curved Connector 36"/>
+          <p:cNvCxnSpPr>
+            <a:stCxn id="8" idx="1"/>
+            <a:endCxn id="8" idx="0"/>
+          </p:cNvCxnSpPr>
+          <p:nvPr/>
+        </p:nvCxnSpPr>
+        <p:spPr>
+          <a:xfrm rot="10800000" flipH="1">
+            <a:off x="3470791" y="3009675"/>
+            <a:ext cx="640080" cy="365760"/>
+          </a:xfrm>
+          <a:prstGeom prst="curvedConnector4">
+            <a:avLst>
+              <a:gd name="adj1" fmla="val -35714"/>
+              <a:gd name="adj2" fmla="val 162500"/>
+            </a:avLst>
+          </a:prstGeom>
+          <a:ln>
+            <a:tailEnd type="triangle"/>
+          </a:ln>
+        </p:spPr>
+        <p:style>
+          <a:lnRef idx="1">
+            <a:schemeClr val="dk1"/>
+          </a:lnRef>
+          <a:fillRef idx="0">
+            <a:schemeClr val="dk1"/>
+          </a:fillRef>
+          <a:effectRef idx="0">
+            <a:schemeClr val="dk1"/>
+          </a:effectRef>
+          <a:fontRef idx="minor">
+            <a:schemeClr val="tx1"/>
+          </a:fontRef>
+        </p:style>
+      </p:cxnSp>
+      <p:sp>
+        <p:nvSpPr>
+          <p:cNvPr id="40" name="TextBox 39"/>
+          <p:cNvSpPr txBox="1"/>
+          <p:nvPr/>
+        </p:nvSpPr>
+        <p:spPr>
+          <a:xfrm>
+            <a:off x="3117156" y="2532259"/>
+            <a:ext cx="1058196" cy="307777"/>
+          </a:xfrm>
+          <a:prstGeom prst="rect">
+            <a:avLst/>
+          </a:prstGeom>
+          <a:noFill/>
+        </p:spPr>
+        <p:txBody>
+          <a:bodyPr wrap="square" rtlCol="0">
+            <a:spAutoFit/>
+          </a:bodyPr>
+          <a:lstStyle/>
+          <a:p>
+            <a:r>
+              <a:rPr lang="en-US" sz="1400" dirty="0" smtClean="0">
+                <a:latin typeface="Consolas" panose="020B0609020204030204" pitchFamily="49" charset="0"/>
+                <a:cs typeface="Consolas" panose="020B0609020204030204" pitchFamily="49" charset="0"/>
+              </a:rPr>
+              <a:t>mother</a:t>
+            </a:r>
+            <a:endParaRPr lang="en-US" sz="1400" dirty="0">
+              <a:latin typeface="Consolas" panose="020B0609020204030204" pitchFamily="49" charset="0"/>
+              <a:cs typeface="Consolas" panose="020B0609020204030204" pitchFamily="49" charset="0"/>
+            </a:endParaRPr>
+          </a:p>
+        </p:txBody>
+      </p:sp>
+      <p:sp>
+        <p:nvSpPr>
+          <p:cNvPr id="41" name="TextBox 40"/>
+          <p:cNvSpPr txBox="1"/>
+          <p:nvPr/>
+        </p:nvSpPr>
+        <p:spPr>
+          <a:xfrm>
+            <a:off x="3461058" y="2744132"/>
+            <a:ext cx="284052" cy="307777"/>
+          </a:xfrm>
+          <a:prstGeom prst="rect">
+            <a:avLst/>
+          </a:prstGeom>
+          <a:noFill/>
+        </p:spPr>
+        <p:txBody>
+          <a:bodyPr wrap="none" rtlCol="0">
+            <a:spAutoFit/>
+          </a:bodyPr>
+          <a:lstStyle/>
+          <a:p>
+            <a:r>
+              <a:rPr lang="en-US" sz="1400" dirty="0" smtClean="0">
+                <a:latin typeface="Consolas" panose="020B0609020204030204" pitchFamily="49" charset="0"/>
+                <a:cs typeface="Consolas" panose="020B0609020204030204" pitchFamily="49" charset="0"/>
+              </a:rPr>
+              <a:t>1</a:t>
+            </a:r>
+            <a:endParaRPr lang="en-US" sz="1400" dirty="0">
+              <a:latin typeface="Consolas" panose="020B0609020204030204" pitchFamily="49" charset="0"/>
+              <a:cs typeface="Consolas" panose="020B0609020204030204" pitchFamily="49" charset="0"/>
+            </a:endParaRPr>
+          </a:p>
+        </p:txBody>
+      </p:sp>
+    </p:spTree>
+    <p:extLst>
+      <p:ext uri="{BB962C8B-B14F-4D97-AF65-F5344CB8AC3E}">
+        <p14:creationId xmlns:p14="http://schemas.microsoft.com/office/powerpoint/2010/main" val="2850590550"/>
       </p:ext>
     </p:extLst>
   </p:cSld>
